--- a/Atmorossa Presentation.pptx
+++ b/Atmorossa Presentation.pptx
@@ -8,9 +8,11 @@
     <p:sldId id="256" r:id="rId2"/>
     <p:sldId id="257" r:id="rId3"/>
     <p:sldId id="259" r:id="rId4"/>
-    <p:sldId id="260" r:id="rId5"/>
-    <p:sldId id="262" r:id="rId6"/>
-    <p:sldId id="261" r:id="rId7"/>
+    <p:sldId id="264" r:id="rId5"/>
+    <p:sldId id="263" r:id="rId6"/>
+    <p:sldId id="260" r:id="rId7"/>
+    <p:sldId id="262" r:id="rId8"/>
+    <p:sldId id="261" r:id="rId9"/>
   </p:sldIdLst>
   <p:sldSz cx="12192000" cy="6858000"/>
   <p:notesSz cx="6858000" cy="9144000"/>
@@ -3655,6 +3657,108 @@
 <file path=ppt/slides/slide4.xml><?xml version="1.0" encoding="utf-8"?>
 <p:sld xmlns:a="http://schemas.openxmlformats.org/drawingml/2006/main" xmlns:r="http://schemas.openxmlformats.org/officeDocument/2006/relationships" xmlns:p="http://schemas.openxmlformats.org/presentationml/2006/main">
   <p:cSld>
+    <p:bg>
+      <p:bgPr>
+        <a:blipFill dpi="0" rotWithShape="1">
+          <a:blip r:embed="rId2">
+            <a:lum/>
+          </a:blip>
+          <a:srcRect/>
+          <a:stretch>
+            <a:fillRect/>
+          </a:stretch>
+        </a:blipFill>
+        <a:effectLst/>
+      </p:bgPr>
+    </p:bg>
+    <p:spTree>
+      <p:nvGrpSpPr>
+        <p:cNvPr id="1" name=""/>
+        <p:cNvGrpSpPr/>
+        <p:nvPr/>
+      </p:nvGrpSpPr>
+      <p:grpSpPr>
+        <a:xfrm>
+          <a:off x="0" y="0"/>
+          <a:ext cx="0" cy="0"/>
+          <a:chOff x="0" y="0"/>
+          <a:chExt cx="0" cy="0"/>
+        </a:xfrm>
+      </p:grpSpPr>
+    </p:spTree>
+    <p:extLst>
+      <p:ext uri="{BB962C8B-B14F-4D97-AF65-F5344CB8AC3E}">
+        <p14:creationId xmlns:p14="http://schemas.microsoft.com/office/powerpoint/2010/main" val="1482658166"/>
+      </p:ext>
+    </p:extLst>
+  </p:cSld>
+  <p:clrMapOvr>
+    <a:masterClrMapping/>
+  </p:clrMapOvr>
+  <p:timing>
+    <p:tnLst>
+      <p:par>
+        <p:cTn id="1" dur="indefinite" restart="never" nodeType="tmRoot"/>
+      </p:par>
+    </p:tnLst>
+  </p:timing>
+</p:sld>
+</file>
+
+<file path=ppt/slides/slide5.xml><?xml version="1.0" encoding="utf-8"?>
+<p:sld xmlns:a="http://schemas.openxmlformats.org/drawingml/2006/main" xmlns:r="http://schemas.openxmlformats.org/officeDocument/2006/relationships" xmlns:p="http://schemas.openxmlformats.org/presentationml/2006/main">
+  <p:cSld>
+    <p:bg>
+      <p:bgPr>
+        <a:blipFill dpi="0" rotWithShape="1">
+          <a:blip r:embed="rId2">
+            <a:lum/>
+          </a:blip>
+          <a:srcRect/>
+          <a:stretch>
+            <a:fillRect/>
+          </a:stretch>
+        </a:blipFill>
+        <a:effectLst/>
+      </p:bgPr>
+    </p:bg>
+    <p:spTree>
+      <p:nvGrpSpPr>
+        <p:cNvPr id="1" name=""/>
+        <p:cNvGrpSpPr/>
+        <p:nvPr/>
+      </p:nvGrpSpPr>
+      <p:grpSpPr>
+        <a:xfrm>
+          <a:off x="0" y="0"/>
+          <a:ext cx="0" cy="0"/>
+          <a:chOff x="0" y="0"/>
+          <a:chExt cx="0" cy="0"/>
+        </a:xfrm>
+      </p:grpSpPr>
+    </p:spTree>
+    <p:extLst>
+      <p:ext uri="{BB962C8B-B14F-4D97-AF65-F5344CB8AC3E}">
+        <p14:creationId xmlns:p14="http://schemas.microsoft.com/office/powerpoint/2010/main" val="3375898024"/>
+      </p:ext>
+    </p:extLst>
+  </p:cSld>
+  <p:clrMapOvr>
+    <a:masterClrMapping/>
+  </p:clrMapOvr>
+  <p:timing>
+    <p:tnLst>
+      <p:par>
+        <p:cTn id="1" dur="indefinite" restart="never" nodeType="tmRoot"/>
+      </p:par>
+    </p:tnLst>
+  </p:timing>
+</p:sld>
+</file>
+
+<file path=ppt/slides/slide6.xml><?xml version="1.0" encoding="utf-8"?>
+<p:sld xmlns:a="http://schemas.openxmlformats.org/drawingml/2006/main" xmlns:r="http://schemas.openxmlformats.org/officeDocument/2006/relationships" xmlns:p="http://schemas.openxmlformats.org/presentationml/2006/main">
+  <p:cSld>
     <p:spTree>
       <p:nvGrpSpPr>
         <p:cNvPr id="1" name=""/>
@@ -3919,7 +4023,7 @@
 </p:sld>
 </file>
 
-<file path=ppt/slides/slide5.xml><?xml version="1.0" encoding="utf-8"?>
+<file path=ppt/slides/slide7.xml><?xml version="1.0" encoding="utf-8"?>
 <p:sld xmlns:a="http://schemas.openxmlformats.org/drawingml/2006/main" xmlns:r="http://schemas.openxmlformats.org/officeDocument/2006/relationships" xmlns:p="http://schemas.openxmlformats.org/presentationml/2006/main">
   <p:cSld>
     <p:spTree>
@@ -4126,7 +4230,7 @@
 </p:sld>
 </file>
 
-<file path=ppt/slides/slide6.xml><?xml version="1.0" encoding="utf-8"?>
+<file path=ppt/slides/slide8.xml><?xml version="1.0" encoding="utf-8"?>
 <p:sld xmlns:a="http://schemas.openxmlformats.org/drawingml/2006/main" xmlns:r="http://schemas.openxmlformats.org/officeDocument/2006/relationships" xmlns:p="http://schemas.openxmlformats.org/presentationml/2006/main">
   <p:cSld>
     <p:spTree>

--- a/Atmorossa Presentation.pptx
+++ b/Atmorossa Presentation.pptx
@@ -3049,7 +3049,7 @@
                 </a:solidFill>
                 <a:latin typeface="Sinkin Sans 400 Regular" pitchFamily="50" charset="0"/>
               </a:rPr>
-              <a:t>WHERE MA </a:t>
+              <a:t>WHERE MY </a:t>
             </a:r>
             <a:r>
               <a:rPr lang="en-CA" dirty="0" smtClean="0">
@@ -3375,7 +3375,25 @@
                 </a:solidFill>
                 <a:latin typeface="Sinkin Sans 300 Light" pitchFamily="50" charset="0"/>
               </a:rPr>
-              <a:t>Current methods to analyse tracking data are not intuitive, such as Movebank and wildlifetracking.org</a:t>
+              <a:t>Current methods to analyse tracking data are </a:t>
+            </a:r>
+            <a:r>
+              <a:rPr lang="en-CA" sz="2000" b="1" dirty="0" smtClean="0">
+                <a:solidFill>
+                  <a:srgbClr val="006666"/>
+                </a:solidFill>
+                <a:latin typeface="Sinkin Sans 300 Light" pitchFamily="50" charset="0"/>
+              </a:rPr>
+              <a:t>not intuitive</a:t>
+            </a:r>
+            <a:r>
+              <a:rPr lang="en-CA" sz="2000" dirty="0" smtClean="0">
+                <a:solidFill>
+                  <a:srgbClr val="006666"/>
+                </a:solidFill>
+                <a:latin typeface="Sinkin Sans 300 Light" pitchFamily="50" charset="0"/>
+              </a:rPr>
+              <a:t>, such as Movebank and wildlifetracking.org</a:t>
             </a:r>
           </a:p>
           <a:p>
@@ -3391,7 +3409,25 @@
                 </a:solidFill>
                 <a:latin typeface="Sinkin Sans 300 Light" pitchFamily="50" charset="0"/>
               </a:rPr>
-              <a:t>A more user-friendly experience is required to make wildlife tracking data more accessible to analyse</a:t>
+              <a:t>A </a:t>
+            </a:r>
+            <a:r>
+              <a:rPr lang="en-CA" sz="2000" b="1" dirty="0" smtClean="0">
+                <a:solidFill>
+                  <a:srgbClr val="006666"/>
+                </a:solidFill>
+                <a:latin typeface="Sinkin Sans 300 Light" pitchFamily="50" charset="0"/>
+              </a:rPr>
+              <a:t>more user-friendly experience is required </a:t>
+            </a:r>
+            <a:r>
+              <a:rPr lang="en-CA" sz="2000" dirty="0" smtClean="0">
+                <a:solidFill>
+                  <a:srgbClr val="006666"/>
+                </a:solidFill>
+                <a:latin typeface="Sinkin Sans 300 Light" pitchFamily="50" charset="0"/>
+              </a:rPr>
+              <a:t>to make wildlife tracking data more accessible to analyse</a:t>
             </a:r>
           </a:p>
         </p:txBody>
@@ -3592,7 +3628,7 @@
                 </a:solidFill>
                 <a:latin typeface="Sinkin Sans 300 Light" pitchFamily="50" charset="0"/>
               </a:rPr>
-              <a:t>Select the animal</a:t>
+              <a:t>Select the animal and parameters</a:t>
             </a:r>
           </a:p>
           <a:p>
@@ -4476,7 +4512,7 @@
                 </a:solidFill>
                 <a:latin typeface="Sinkin Sans 300 Light" pitchFamily="50" charset="0"/>
               </a:rPr>
-              <a:t>WHERE MA </a:t>
+              <a:t>WHERE MY </a:t>
             </a:r>
             <a:r>
               <a:rPr lang="en-CA" sz="2000" dirty="0" smtClean="0">

--- a/Atmorossa Presentation.pptx
+++ b/Atmorossa Presentation.pptx
@@ -7,12 +7,13 @@
   <p:sldIdLst>
     <p:sldId id="256" r:id="rId2"/>
     <p:sldId id="257" r:id="rId3"/>
-    <p:sldId id="259" r:id="rId4"/>
-    <p:sldId id="264" r:id="rId5"/>
-    <p:sldId id="263" r:id="rId6"/>
+    <p:sldId id="265" r:id="rId4"/>
+    <p:sldId id="259" r:id="rId5"/>
+    <p:sldId id="264" r:id="rId6"/>
     <p:sldId id="260" r:id="rId7"/>
-    <p:sldId id="262" r:id="rId8"/>
-    <p:sldId id="261" r:id="rId9"/>
+    <p:sldId id="266" r:id="rId8"/>
+    <p:sldId id="262" r:id="rId9"/>
+    <p:sldId id="261" r:id="rId10"/>
   </p:sldIdLst>
   <p:sldSz cx="12192000" cy="6858000"/>
   <p:notesSz cx="6858000" cy="9144000"/>
@@ -3125,7 +3126,7 @@
                 </a:solidFill>
                 <a:latin typeface="Sinkin Sans 300 Light" pitchFamily="50" charset="0"/>
               </a:rPr>
-              <a:t>a revolutionary approach to wildlife tracking</a:t>
+              <a:t>wildlife tracking redefined</a:t>
             </a:r>
             <a:endParaRPr lang="en-CA" sz="2000" dirty="0">
               <a:solidFill>
@@ -3302,7 +3303,7 @@
         </p:spPr>
         <p:txBody>
           <a:bodyPr>
-            <a:normAutofit fontScale="92500"/>
+            <a:normAutofit/>
           </a:bodyPr>
           <a:lstStyle/>
           <a:p>
@@ -3360,74 +3361,6 @@
                 <a:latin typeface="Sinkin Sans 300 Light" pitchFamily="50" charset="0"/>
               </a:rPr>
               <a:t>Tracking methods include GPS, Argos Doppler, Very High Frequency (VHF) Radio Transmitters, Light-Level Geolocators, and Tracking Bands and Rings</a:t>
-            </a:r>
-          </a:p>
-          <a:p>
-            <a:pPr>
-              <a:lnSpc>
-                <a:spcPct val="125000"/>
-              </a:lnSpc>
-            </a:pPr>
-            <a:r>
-              <a:rPr lang="en-CA" sz="2000" dirty="0" smtClean="0">
-                <a:solidFill>
-                  <a:srgbClr val="006666"/>
-                </a:solidFill>
-                <a:latin typeface="Sinkin Sans 300 Light" pitchFamily="50" charset="0"/>
-              </a:rPr>
-              <a:t>Current methods to analyse tracking data are </a:t>
-            </a:r>
-            <a:r>
-              <a:rPr lang="en-CA" sz="2000" b="1" dirty="0" smtClean="0">
-                <a:solidFill>
-                  <a:srgbClr val="006666"/>
-                </a:solidFill>
-                <a:latin typeface="Sinkin Sans 300 Light" pitchFamily="50" charset="0"/>
-              </a:rPr>
-              <a:t>not intuitive</a:t>
-            </a:r>
-            <a:r>
-              <a:rPr lang="en-CA" sz="2000" dirty="0" smtClean="0">
-                <a:solidFill>
-                  <a:srgbClr val="006666"/>
-                </a:solidFill>
-                <a:latin typeface="Sinkin Sans 300 Light" pitchFamily="50" charset="0"/>
-              </a:rPr>
-              <a:t>, such as Movebank and wildlifetracking.org</a:t>
-            </a:r>
-          </a:p>
-          <a:p>
-            <a:pPr>
-              <a:lnSpc>
-                <a:spcPct val="125000"/>
-              </a:lnSpc>
-            </a:pPr>
-            <a:r>
-              <a:rPr lang="en-CA" sz="2000" dirty="0" smtClean="0">
-                <a:solidFill>
-                  <a:srgbClr val="006666"/>
-                </a:solidFill>
-                <a:latin typeface="Sinkin Sans 300 Light" pitchFamily="50" charset="0"/>
-              </a:rPr>
-              <a:t>A </a:t>
-            </a:r>
-            <a:r>
-              <a:rPr lang="en-CA" sz="2000" b="1" dirty="0" smtClean="0">
-                <a:solidFill>
-                  <a:srgbClr val="006666"/>
-                </a:solidFill>
-                <a:latin typeface="Sinkin Sans 300 Light" pitchFamily="50" charset="0"/>
-              </a:rPr>
-              <a:t>more user-friendly experience is required </a:t>
-            </a:r>
-            <a:r>
-              <a:rPr lang="en-CA" sz="2000" dirty="0" smtClean="0">
-                <a:solidFill>
-                  <a:srgbClr val="006666"/>
-                </a:solidFill>
-                <a:latin typeface="Sinkin Sans 300 Light" pitchFamily="50" charset="0"/>
-              </a:rPr>
-              <a:t>to make wildlife tracking data more accessible to analyse</a:t>
             </a:r>
           </a:p>
         </p:txBody>
@@ -3538,6 +3471,334 @@
             <a:r>
               <a:rPr lang="en-CA" dirty="0" smtClean="0">
                 <a:solidFill>
+                  <a:srgbClr val="006666"/>
+                </a:solidFill>
+                <a:latin typeface="Sinkin Sans 300 Light" pitchFamily="50" charset="0"/>
+              </a:rPr>
+              <a:t>[</a:t>
+            </a:r>
+            <a:r>
+              <a:rPr lang="en-CA" u="sng" dirty="0" smtClean="0">
+                <a:solidFill>
+                  <a:srgbClr val="006666"/>
+                </a:solidFill>
+                <a:latin typeface="Sinkin Sans 300 Light" pitchFamily="50" charset="0"/>
+              </a:rPr>
+              <a:t>PROBLEMS</a:t>
+            </a:r>
+            <a:r>
+              <a:rPr lang="en-CA" dirty="0" smtClean="0">
+                <a:solidFill>
+                  <a:srgbClr val="006666"/>
+                </a:solidFill>
+                <a:latin typeface="Sinkin Sans 300 Light" pitchFamily="50" charset="0"/>
+              </a:rPr>
+              <a:t>]</a:t>
+            </a:r>
+            <a:r>
+              <a:rPr lang="en-CA" dirty="0" smtClean="0">
+                <a:solidFill>
+                  <a:srgbClr val="1FE1E1"/>
+                </a:solidFill>
+                <a:latin typeface="Sinkin Sans 300 Light" pitchFamily="50" charset="0"/>
+              </a:rPr>
+              <a:t> AND </a:t>
+            </a:r>
+            <a:r>
+              <a:rPr lang="en-CA" dirty="0" smtClean="0">
+                <a:solidFill>
+                  <a:srgbClr val="006666"/>
+                </a:solidFill>
+                <a:latin typeface="Sinkin Sans 300 Light" pitchFamily="50" charset="0"/>
+              </a:rPr>
+              <a:t>[</a:t>
+            </a:r>
+            <a:r>
+              <a:rPr lang="en-CA" u="sng" dirty="0" smtClean="0">
+                <a:solidFill>
+                  <a:srgbClr val="006666"/>
+                </a:solidFill>
+                <a:latin typeface="Sinkin Sans 300 Light" pitchFamily="50" charset="0"/>
+              </a:rPr>
+              <a:t>SOLUTIONS</a:t>
+            </a:r>
+            <a:r>
+              <a:rPr lang="en-CA" dirty="0" smtClean="0">
+                <a:solidFill>
+                  <a:srgbClr val="006666"/>
+                </a:solidFill>
+                <a:latin typeface="Sinkin Sans 300 Light" pitchFamily="50" charset="0"/>
+              </a:rPr>
+              <a:t>]</a:t>
+            </a:r>
+            <a:endParaRPr lang="en-CA" dirty="0">
+              <a:solidFill>
+                <a:srgbClr val="006666"/>
+              </a:solidFill>
+              <a:latin typeface="Sinkin Sans 300 Light" pitchFamily="50" charset="0"/>
+            </a:endParaRPr>
+          </a:p>
+        </p:txBody>
+      </p:sp>
+      <p:sp>
+        <p:nvSpPr>
+          <p:cNvPr id="3" name="Content Placeholder 2"/>
+          <p:cNvSpPr>
+            <a:spLocks noGrp="1"/>
+          </p:cNvSpPr>
+          <p:nvPr>
+            <p:ph idx="1"/>
+          </p:nvPr>
+        </p:nvSpPr>
+        <p:spPr>
+          <a:xfrm>
+            <a:off x="838200" y="1692275"/>
+            <a:ext cx="11106150" cy="4351338"/>
+          </a:xfrm>
+        </p:spPr>
+        <p:txBody>
+          <a:bodyPr>
+            <a:normAutofit fontScale="92500" lnSpcReduction="20000"/>
+          </a:bodyPr>
+          <a:lstStyle/>
+          <a:p>
+            <a:pPr>
+              <a:lnSpc>
+                <a:spcPct val="125000"/>
+              </a:lnSpc>
+            </a:pPr>
+            <a:r>
+              <a:rPr lang="en-CA" sz="2000" dirty="0" smtClean="0">
+                <a:solidFill>
+                  <a:srgbClr val="006666"/>
+                </a:solidFill>
+                <a:latin typeface="Sinkin Sans 300 Light" pitchFamily="50" charset="0"/>
+              </a:rPr>
+              <a:t>Current methods to view tracking data are </a:t>
+            </a:r>
+            <a:r>
+              <a:rPr lang="en-CA" sz="2000" dirty="0" smtClean="0">
+                <a:solidFill>
+                  <a:srgbClr val="006666"/>
+                </a:solidFill>
+                <a:latin typeface="Sinkin Sans 300 Light" pitchFamily="50" charset="0"/>
+              </a:rPr>
+              <a:t>un</a:t>
+            </a:r>
+            <a:r>
+              <a:rPr lang="en-CA" sz="2000" dirty="0" smtClean="0">
+                <a:solidFill>
+                  <a:srgbClr val="006666"/>
+                </a:solidFill>
+                <a:latin typeface="Sinkin Sans 300 Light" pitchFamily="50" charset="0"/>
+              </a:rPr>
+              <a:t>intuitive, such as Movebank and wildlifetracking.org</a:t>
+            </a:r>
+          </a:p>
+          <a:p>
+            <a:pPr>
+              <a:lnSpc>
+                <a:spcPct val="125000"/>
+              </a:lnSpc>
+            </a:pPr>
+            <a:r>
+              <a:rPr lang="en-CA" sz="2000" dirty="0" smtClean="0">
+                <a:solidFill>
+                  <a:srgbClr val="006666"/>
+                </a:solidFill>
+                <a:latin typeface="Sinkin Sans 300 Light" pitchFamily="50" charset="0"/>
+              </a:rPr>
+              <a:t>A more intuitive experience and increased user accessibility is required to improve wildlife tracking data analysis</a:t>
+            </a:r>
+          </a:p>
+          <a:p>
+            <a:pPr>
+              <a:lnSpc>
+                <a:spcPct val="125000"/>
+              </a:lnSpc>
+            </a:pPr>
+            <a:r>
+              <a:rPr lang="en-CA" sz="2000" dirty="0" smtClean="0">
+                <a:solidFill>
+                  <a:srgbClr val="006666"/>
+                </a:solidFill>
+                <a:latin typeface="Sinkin Sans 300 Light" pitchFamily="50" charset="0"/>
+              </a:rPr>
+              <a:t>Using Google Maps API, the user experience is familiar and easy to use</a:t>
+            </a:r>
+          </a:p>
+          <a:p>
+            <a:pPr>
+              <a:lnSpc>
+                <a:spcPct val="125000"/>
+              </a:lnSpc>
+            </a:pPr>
+            <a:r>
+              <a:rPr lang="en-CA" sz="2000" dirty="0" smtClean="0">
+                <a:solidFill>
+                  <a:srgbClr val="006666"/>
+                </a:solidFill>
+                <a:latin typeface="Sinkin Sans 300 Light" pitchFamily="50" charset="0"/>
+              </a:rPr>
+              <a:t>Minimalist design ensures that the interface is not interfering and allows the user to focus on performing data analysis</a:t>
+            </a:r>
+          </a:p>
+          <a:p>
+            <a:pPr>
+              <a:lnSpc>
+                <a:spcPct val="125000"/>
+              </a:lnSpc>
+            </a:pPr>
+            <a:r>
+              <a:rPr lang="en-CA" sz="2000" dirty="0" smtClean="0">
+                <a:solidFill>
+                  <a:srgbClr val="006666"/>
+                </a:solidFill>
+                <a:latin typeface="Sinkin Sans 300 Light" pitchFamily="50" charset="0"/>
+              </a:rPr>
+              <a:t>Assumptions: All animal migration patterns are similar, migration patterns are used to build a predictive algorithm</a:t>
+            </a:r>
+          </a:p>
+          <a:p>
+            <a:pPr>
+              <a:lnSpc>
+                <a:spcPct val="125000"/>
+              </a:lnSpc>
+            </a:pPr>
+            <a:r>
+              <a:rPr lang="en-CA" sz="2000" dirty="0" smtClean="0">
+                <a:solidFill>
+                  <a:srgbClr val="006666"/>
+                </a:solidFill>
+                <a:latin typeface="Sinkin Sans 300 Light" pitchFamily="50" charset="0"/>
+              </a:rPr>
+              <a:t>Current scope is limited to regional migratory species</a:t>
+            </a:r>
+          </a:p>
+          <a:p>
+            <a:pPr>
+              <a:lnSpc>
+                <a:spcPct val="125000"/>
+              </a:lnSpc>
+            </a:pPr>
+            <a:r>
+              <a:rPr lang="en-CA" sz="2000" dirty="0" smtClean="0">
+                <a:solidFill>
+                  <a:srgbClr val="006666"/>
+                </a:solidFill>
+                <a:latin typeface="Sinkin Sans 300 Light" pitchFamily="50" charset="0"/>
+              </a:rPr>
+              <a:t>Current priority set on white-fronted geese migratory patterns in Northern Europe</a:t>
+            </a:r>
+          </a:p>
+        </p:txBody>
+      </p:sp>
+    </p:spTree>
+    <p:extLst>
+      <p:ext uri="{BB962C8B-B14F-4D97-AF65-F5344CB8AC3E}">
+        <p14:creationId xmlns:p14="http://schemas.microsoft.com/office/powerpoint/2010/main" val="3411781044"/>
+      </p:ext>
+    </p:extLst>
+  </p:cSld>
+  <p:clrMapOvr>
+    <a:masterClrMapping/>
+  </p:clrMapOvr>
+  <p:timing>
+    <p:tnLst>
+      <p:par>
+        <p:cTn id="1" dur="indefinite" restart="never" nodeType="tmRoot"/>
+      </p:par>
+    </p:tnLst>
+  </p:timing>
+</p:sld>
+</file>
+
+<file path=ppt/slides/slide4.xml><?xml version="1.0" encoding="utf-8"?>
+<p:sld xmlns:a="http://schemas.openxmlformats.org/drawingml/2006/main" xmlns:r="http://schemas.openxmlformats.org/officeDocument/2006/relationships" xmlns:p="http://schemas.openxmlformats.org/presentationml/2006/main">
+  <p:cSld>
+    <p:spTree>
+      <p:nvGrpSpPr>
+        <p:cNvPr id="1" name=""/>
+        <p:cNvGrpSpPr/>
+        <p:nvPr/>
+      </p:nvGrpSpPr>
+      <p:grpSpPr>
+        <a:xfrm>
+          <a:off x="0" y="0"/>
+          <a:ext cx="0" cy="0"/>
+          <a:chOff x="0" y="0"/>
+          <a:chExt cx="0" cy="0"/>
+        </a:xfrm>
+      </p:grpSpPr>
+      <p:sp>
+        <p:nvSpPr>
+          <p:cNvPr id="6" name="Rectangle 5"/>
+          <p:cNvSpPr/>
+          <p:nvPr/>
+        </p:nvSpPr>
+        <p:spPr>
+          <a:xfrm>
+            <a:off x="0" y="1295400"/>
+            <a:ext cx="12192000" cy="5562600"/>
+          </a:xfrm>
+          <a:prstGeom prst="rect">
+            <a:avLst/>
+          </a:prstGeom>
+          <a:solidFill>
+            <a:srgbClr val="1FE1E1"/>
+          </a:solidFill>
+          <a:ln>
+            <a:noFill/>
+          </a:ln>
+        </p:spPr>
+        <p:style>
+          <a:lnRef idx="2">
+            <a:schemeClr val="accent1">
+              <a:shade val="50000"/>
+            </a:schemeClr>
+          </a:lnRef>
+          <a:fillRef idx="1">
+            <a:schemeClr val="accent1"/>
+          </a:fillRef>
+          <a:effectRef idx="0">
+            <a:schemeClr val="accent1"/>
+          </a:effectRef>
+          <a:fontRef idx="minor">
+            <a:schemeClr val="lt1"/>
+          </a:fontRef>
+        </p:style>
+        <p:txBody>
+          <a:bodyPr rtlCol="0" anchor="ctr"/>
+          <a:lstStyle/>
+          <a:p>
+            <a:pPr algn="ctr"/>
+            <a:endParaRPr lang="en-CA"/>
+          </a:p>
+        </p:txBody>
+      </p:sp>
+      <p:sp>
+        <p:nvSpPr>
+          <p:cNvPr id="2" name="Title 1"/>
+          <p:cNvSpPr>
+            <a:spLocks noGrp="1"/>
+          </p:cNvSpPr>
+          <p:nvPr>
+            <p:ph type="title"/>
+          </p:nvPr>
+        </p:nvSpPr>
+        <p:spPr>
+          <a:xfrm>
+            <a:off x="838200" y="179387"/>
+            <a:ext cx="10515600" cy="1325563"/>
+          </a:xfrm>
+        </p:spPr>
+        <p:txBody>
+          <a:bodyPr/>
+          <a:lstStyle/>
+          <a:p>
+            <a:r>
+              <a:rPr lang="en-CA" dirty="0" smtClean="0">
+                <a:solidFill>
                   <a:srgbClr val="1FE1E1"/>
                 </a:solidFill>
                 <a:latin typeface="Sinkin Sans 300 Light" pitchFamily="50" charset="0"/>
@@ -3690,7 +3951,7 @@
 </p:sld>
 </file>
 
-<file path=ppt/slides/slide4.xml><?xml version="1.0" encoding="utf-8"?>
+<file path=ppt/slides/slide5.xml><?xml version="1.0" encoding="utf-8"?>
 <p:sld xmlns:a="http://schemas.openxmlformats.org/drawingml/2006/main" xmlns:r="http://schemas.openxmlformats.org/officeDocument/2006/relationships" xmlns:p="http://schemas.openxmlformats.org/presentationml/2006/main">
   <p:cSld>
     <p:bg>
@@ -3741,57 +4002,6 @@
 </p:sld>
 </file>
 
-<file path=ppt/slides/slide5.xml><?xml version="1.0" encoding="utf-8"?>
-<p:sld xmlns:a="http://schemas.openxmlformats.org/drawingml/2006/main" xmlns:r="http://schemas.openxmlformats.org/officeDocument/2006/relationships" xmlns:p="http://schemas.openxmlformats.org/presentationml/2006/main">
-  <p:cSld>
-    <p:bg>
-      <p:bgPr>
-        <a:blipFill dpi="0" rotWithShape="1">
-          <a:blip r:embed="rId2">
-            <a:lum/>
-          </a:blip>
-          <a:srcRect/>
-          <a:stretch>
-            <a:fillRect/>
-          </a:stretch>
-        </a:blipFill>
-        <a:effectLst/>
-      </p:bgPr>
-    </p:bg>
-    <p:spTree>
-      <p:nvGrpSpPr>
-        <p:cNvPr id="1" name=""/>
-        <p:cNvGrpSpPr/>
-        <p:nvPr/>
-      </p:nvGrpSpPr>
-      <p:grpSpPr>
-        <a:xfrm>
-          <a:off x="0" y="0"/>
-          <a:ext cx="0" cy="0"/>
-          <a:chOff x="0" y="0"/>
-          <a:chExt cx="0" cy="0"/>
-        </a:xfrm>
-      </p:grpSpPr>
-    </p:spTree>
-    <p:extLst>
-      <p:ext uri="{BB962C8B-B14F-4D97-AF65-F5344CB8AC3E}">
-        <p14:creationId xmlns:p14="http://schemas.microsoft.com/office/powerpoint/2010/main" val="3375898024"/>
-      </p:ext>
-    </p:extLst>
-  </p:cSld>
-  <p:clrMapOvr>
-    <a:masterClrMapping/>
-  </p:clrMapOvr>
-  <p:timing>
-    <p:tnLst>
-      <p:par>
-        <p:cTn id="1" dur="indefinite" restart="never" nodeType="tmRoot"/>
-      </p:par>
-    </p:tnLst>
-  </p:timing>
-</p:sld>
-</file>
-
 <file path=ppt/slides/slide6.xml><?xml version="1.0" encoding="utf-8"?>
 <p:sld xmlns:a="http://schemas.openxmlformats.org/drawingml/2006/main" xmlns:r="http://schemas.openxmlformats.org/officeDocument/2006/relationships" xmlns:p="http://schemas.openxmlformats.org/presentationml/2006/main">
   <p:cSld>
@@ -3954,7 +4164,7 @@
                 </a:solidFill>
                 <a:latin typeface="Sinkin Sans 300 Light" pitchFamily="50" charset="0"/>
               </a:rPr>
-              <a:t>Geographic coordinate and time data from Movebank Data Repository API is loaded into Django server</a:t>
+              <a:t>Geographic coordinate and time data from Movebank Data Repository API is loaded into server</a:t>
             </a:r>
           </a:p>
           <a:p>
@@ -4158,6 +4368,258 @@
                 </a:solidFill>
                 <a:latin typeface="Sinkin Sans 300 Light" pitchFamily="50" charset="0"/>
               </a:rPr>
+              <a:t>NEXT STEPS</a:t>
+            </a:r>
+            <a:r>
+              <a:rPr lang="en-CA" dirty="0" smtClean="0">
+                <a:solidFill>
+                  <a:srgbClr val="006666"/>
+                </a:solidFill>
+                <a:latin typeface="Sinkin Sans 300 Light" pitchFamily="50" charset="0"/>
+              </a:rPr>
+              <a:t>]</a:t>
+            </a:r>
+            <a:endParaRPr lang="en-CA" dirty="0">
+              <a:solidFill>
+                <a:srgbClr val="006666"/>
+              </a:solidFill>
+              <a:latin typeface="Sinkin Sans 300 Light" pitchFamily="50" charset="0"/>
+            </a:endParaRPr>
+          </a:p>
+        </p:txBody>
+      </p:sp>
+      <p:sp>
+        <p:nvSpPr>
+          <p:cNvPr id="3" name="Content Placeholder 2"/>
+          <p:cNvSpPr>
+            <a:spLocks noGrp="1"/>
+          </p:cNvSpPr>
+          <p:nvPr>
+            <p:ph idx="1"/>
+          </p:nvPr>
+        </p:nvSpPr>
+        <p:spPr>
+          <a:xfrm>
+            <a:off x="838200" y="1692275"/>
+            <a:ext cx="10515600" cy="4351338"/>
+          </a:xfrm>
+        </p:spPr>
+        <p:txBody>
+          <a:bodyPr>
+            <a:normAutofit/>
+          </a:bodyPr>
+          <a:lstStyle/>
+          <a:p>
+            <a:pPr>
+              <a:lnSpc>
+                <a:spcPct val="125000"/>
+              </a:lnSpc>
+            </a:pPr>
+            <a:r>
+              <a:rPr lang="en-CA" sz="2000" dirty="0" smtClean="0">
+                <a:solidFill>
+                  <a:srgbClr val="006666"/>
+                </a:solidFill>
+                <a:latin typeface="Sinkin Sans 300 Light" pitchFamily="50" charset="0"/>
+              </a:rPr>
+              <a:t>Back-end database will be built on Django framework</a:t>
+            </a:r>
+          </a:p>
+          <a:p>
+            <a:pPr>
+              <a:lnSpc>
+                <a:spcPct val="125000"/>
+              </a:lnSpc>
+            </a:pPr>
+            <a:r>
+              <a:rPr lang="en-CA" sz="2000" dirty="0" smtClean="0">
+                <a:solidFill>
+                  <a:srgbClr val="006666"/>
+                </a:solidFill>
+                <a:latin typeface="Sinkin Sans 300 Light" pitchFamily="50" charset="0"/>
+              </a:rPr>
+              <a:t>Increased species support</a:t>
+            </a:r>
+          </a:p>
+          <a:p>
+            <a:pPr>
+              <a:lnSpc>
+                <a:spcPct val="125000"/>
+              </a:lnSpc>
+            </a:pPr>
+            <a:r>
+              <a:rPr lang="en-CA" sz="2000" dirty="0" smtClean="0">
+                <a:solidFill>
+                  <a:srgbClr val="006666"/>
+                </a:solidFill>
+                <a:latin typeface="Sinkin Sans 300 Light" pitchFamily="50" charset="0"/>
+              </a:rPr>
+              <a:t>Allow users to import external tracking data for further analysis</a:t>
+            </a:r>
+          </a:p>
+          <a:p>
+            <a:pPr>
+              <a:lnSpc>
+                <a:spcPct val="125000"/>
+              </a:lnSpc>
+            </a:pPr>
+            <a:r>
+              <a:rPr lang="en-CA" sz="2000" dirty="0" smtClean="0">
+                <a:solidFill>
+                  <a:srgbClr val="006666"/>
+                </a:solidFill>
+                <a:latin typeface="Sinkin Sans 300 Light" pitchFamily="50" charset="0"/>
+              </a:rPr>
+              <a:t>Improved predictive trajectory algorithm using machine learning</a:t>
+            </a:r>
+          </a:p>
+          <a:p>
+            <a:pPr>
+              <a:lnSpc>
+                <a:spcPct val="125000"/>
+              </a:lnSpc>
+            </a:pPr>
+            <a:endParaRPr lang="en-CA" sz="2000" dirty="0" smtClean="0">
+              <a:solidFill>
+                <a:srgbClr val="006666"/>
+              </a:solidFill>
+              <a:latin typeface="Sinkin Sans 300 Light" pitchFamily="50" charset="0"/>
+            </a:endParaRPr>
+          </a:p>
+          <a:p>
+            <a:pPr>
+              <a:lnSpc>
+                <a:spcPct val="125000"/>
+              </a:lnSpc>
+            </a:pPr>
+            <a:endParaRPr lang="en-CA" sz="2000" dirty="0" smtClean="0">
+              <a:solidFill>
+                <a:srgbClr val="006666"/>
+              </a:solidFill>
+              <a:latin typeface="Sinkin Sans 300 Light" pitchFamily="50" charset="0"/>
+            </a:endParaRPr>
+          </a:p>
+        </p:txBody>
+      </p:sp>
+    </p:spTree>
+    <p:extLst>
+      <p:ext uri="{BB962C8B-B14F-4D97-AF65-F5344CB8AC3E}">
+        <p14:creationId xmlns:p14="http://schemas.microsoft.com/office/powerpoint/2010/main" val="3098903579"/>
+      </p:ext>
+    </p:extLst>
+  </p:cSld>
+  <p:clrMapOvr>
+    <a:masterClrMapping/>
+  </p:clrMapOvr>
+  <p:timing>
+    <p:tnLst>
+      <p:par>
+        <p:cTn id="1" dur="indefinite" restart="never" nodeType="tmRoot"/>
+      </p:par>
+    </p:tnLst>
+  </p:timing>
+</p:sld>
+</file>
+
+<file path=ppt/slides/slide8.xml><?xml version="1.0" encoding="utf-8"?>
+<p:sld xmlns:a="http://schemas.openxmlformats.org/drawingml/2006/main" xmlns:r="http://schemas.openxmlformats.org/officeDocument/2006/relationships" xmlns:p="http://schemas.openxmlformats.org/presentationml/2006/main">
+  <p:cSld>
+    <p:spTree>
+      <p:nvGrpSpPr>
+        <p:cNvPr id="1" name=""/>
+        <p:cNvGrpSpPr/>
+        <p:nvPr/>
+      </p:nvGrpSpPr>
+      <p:grpSpPr>
+        <a:xfrm>
+          <a:off x="0" y="0"/>
+          <a:ext cx="0" cy="0"/>
+          <a:chOff x="0" y="0"/>
+          <a:chExt cx="0" cy="0"/>
+        </a:xfrm>
+      </p:grpSpPr>
+      <p:sp>
+        <p:nvSpPr>
+          <p:cNvPr id="6" name="Rectangle 5"/>
+          <p:cNvSpPr/>
+          <p:nvPr/>
+        </p:nvSpPr>
+        <p:spPr>
+          <a:xfrm>
+            <a:off x="0" y="1295400"/>
+            <a:ext cx="12192000" cy="5562600"/>
+          </a:xfrm>
+          <a:prstGeom prst="rect">
+            <a:avLst/>
+          </a:prstGeom>
+          <a:solidFill>
+            <a:srgbClr val="1FE1E1"/>
+          </a:solidFill>
+          <a:ln>
+            <a:noFill/>
+          </a:ln>
+        </p:spPr>
+        <p:style>
+          <a:lnRef idx="2">
+            <a:schemeClr val="accent1">
+              <a:shade val="50000"/>
+            </a:schemeClr>
+          </a:lnRef>
+          <a:fillRef idx="1">
+            <a:schemeClr val="accent1"/>
+          </a:fillRef>
+          <a:effectRef idx="0">
+            <a:schemeClr val="accent1"/>
+          </a:effectRef>
+          <a:fontRef idx="minor">
+            <a:schemeClr val="lt1"/>
+          </a:fontRef>
+        </p:style>
+        <p:txBody>
+          <a:bodyPr rtlCol="0" anchor="ctr"/>
+          <a:lstStyle/>
+          <a:p>
+            <a:pPr algn="ctr"/>
+            <a:endParaRPr lang="en-CA"/>
+          </a:p>
+        </p:txBody>
+      </p:sp>
+      <p:sp>
+        <p:nvSpPr>
+          <p:cNvPr id="2" name="Title 1"/>
+          <p:cNvSpPr>
+            <a:spLocks noGrp="1"/>
+          </p:cNvSpPr>
+          <p:nvPr>
+            <p:ph type="title"/>
+          </p:nvPr>
+        </p:nvSpPr>
+        <p:spPr>
+          <a:xfrm>
+            <a:off x="838200" y="179387"/>
+            <a:ext cx="10515600" cy="1325563"/>
+          </a:xfrm>
+        </p:spPr>
+        <p:txBody>
+          <a:bodyPr/>
+          <a:lstStyle/>
+          <a:p>
+            <a:r>
+              <a:rPr lang="en-CA" dirty="0" smtClean="0">
+                <a:solidFill>
+                  <a:srgbClr val="006666"/>
+                </a:solidFill>
+                <a:latin typeface="Sinkin Sans 300 Light" pitchFamily="50" charset="0"/>
+              </a:rPr>
+              <a:t>[</a:t>
+            </a:r>
+            <a:r>
+              <a:rPr lang="en-CA" u="sng" dirty="0" smtClean="0">
+                <a:solidFill>
+                  <a:srgbClr val="006666"/>
+                </a:solidFill>
+                <a:latin typeface="Sinkin Sans 300 Light" pitchFamily="50" charset="0"/>
+              </a:rPr>
               <a:t>RESOURCES</a:t>
             </a:r>
             <a:r>
@@ -4266,7 +4728,7 @@
 </p:sld>
 </file>
 
-<file path=ppt/slides/slide8.xml><?xml version="1.0" encoding="utf-8"?>
+<file path=ppt/slides/slide9.xml><?xml version="1.0" encoding="utf-8"?>
 <p:sld xmlns:a="http://schemas.openxmlformats.org/drawingml/2006/main" xmlns:r="http://schemas.openxmlformats.org/officeDocument/2006/relationships" xmlns:p="http://schemas.openxmlformats.org/presentationml/2006/main">
   <p:cSld>
     <p:spTree>

--- a/Atmorossa Presentation.pptx
+++ b/Atmorossa Presentation.pptx
@@ -3929,6 +3929,22 @@
               <a:t>View tracking data</a:t>
             </a:r>
           </a:p>
+          <a:p>
+            <a:pPr>
+              <a:lnSpc>
+                <a:spcPct val="125000"/>
+              </a:lnSpc>
+            </a:pPr>
+            <a:r>
+              <a:rPr lang="en-CA" sz="2000" dirty="0" smtClean="0">
+                <a:solidFill>
+                  <a:srgbClr val="006666"/>
+                </a:solidFill>
+                <a:latin typeface="Sinkin Sans 300 Light" pitchFamily="50" charset="0"/>
+              </a:rPr>
+              <a:t>Example:  White Fronted Geese in North-Western Europe</a:t>
+            </a:r>
+          </a:p>
         </p:txBody>
       </p:sp>
     </p:spTree>

--- a/Atmorossa Presentation.pptx
+++ b/Atmorossa Presentation.pptx
@@ -4260,7 +4260,7 @@
                 </a:solidFill>
                 <a:latin typeface="Sinkin Sans 300 Light" pitchFamily="50" charset="0"/>
               </a:rPr>
-              <a:t>User interface displays the location and predicted future positions based on user-set parameters onto map based on Google Maps API</a:t>
+              <a:t>User interface displays the location and predicted future positions on map based on Google Maps API</a:t>
             </a:r>
           </a:p>
         </p:txBody>
@@ -4706,7 +4706,307 @@
                 </a:solidFill>
                 <a:latin typeface="Sinkin Sans 300 Light" pitchFamily="50" charset="0"/>
               </a:rPr>
-              <a:t>). Retrieved March 13, 2016, from https://www.movebank.org/node/857 </a:t>
+              <a:t>). Retrieved March 13, 2016, from </a:t>
+            </a:r>
+            <a:r>
+              <a:rPr lang="en-CA" sz="1800" dirty="0" smtClean="0">
+                <a:solidFill>
+                  <a:srgbClr val="006666"/>
+                </a:solidFill>
+                <a:latin typeface="Sinkin Sans 300 Light" pitchFamily="50" charset="0"/>
+                <a:hlinkClick r:id="rId2"/>
+              </a:rPr>
+              <a:t>https://www.movebank.org/node/857</a:t>
+            </a:r>
+            <a:endParaRPr lang="en-CA" sz="1800" dirty="0" smtClean="0">
+              <a:solidFill>
+                <a:srgbClr val="006666"/>
+              </a:solidFill>
+              <a:latin typeface="Sinkin Sans 300 Light" pitchFamily="50" charset="0"/>
+            </a:endParaRPr>
+          </a:p>
+          <a:p>
+            <a:pPr>
+              <a:lnSpc>
+                <a:spcPct val="125000"/>
+              </a:lnSpc>
+            </a:pPr>
+            <a:r>
+              <a:rPr lang="en-CA" sz="1800" dirty="0" err="1" smtClean="0">
+                <a:solidFill>
+                  <a:srgbClr val="006666"/>
+                </a:solidFill>
+                <a:latin typeface="Sinkin Sans 300 Light" pitchFamily="50" charset="0"/>
+              </a:rPr>
+              <a:t>Kölzsch</a:t>
+            </a:r>
+            <a:r>
+              <a:rPr lang="en-CA" sz="1800" dirty="0" smtClean="0">
+                <a:solidFill>
+                  <a:srgbClr val="006666"/>
+                </a:solidFill>
+                <a:latin typeface="Sinkin Sans 300 Light" pitchFamily="50" charset="0"/>
+              </a:rPr>
+              <a:t> A, </a:t>
+            </a:r>
+            <a:r>
+              <a:rPr lang="en-CA" sz="1800" dirty="0" err="1" smtClean="0">
+                <a:solidFill>
+                  <a:srgbClr val="006666"/>
+                </a:solidFill>
+                <a:latin typeface="Sinkin Sans 300 Light" pitchFamily="50" charset="0"/>
+              </a:rPr>
+              <a:t>Müskens</a:t>
+            </a:r>
+            <a:r>
+              <a:rPr lang="en-CA" sz="1800" dirty="0" smtClean="0">
+                <a:solidFill>
+                  <a:srgbClr val="006666"/>
+                </a:solidFill>
+                <a:latin typeface="Sinkin Sans 300 Light" pitchFamily="50" charset="0"/>
+              </a:rPr>
+              <a:t> </a:t>
+            </a:r>
+            <a:r>
+              <a:rPr lang="en-CA" sz="1800" dirty="0" err="1" smtClean="0">
+                <a:solidFill>
+                  <a:srgbClr val="006666"/>
+                </a:solidFill>
+                <a:latin typeface="Sinkin Sans 300 Light" pitchFamily="50" charset="0"/>
+              </a:rPr>
+              <a:t>GJDM</a:t>
+            </a:r>
+            <a:r>
+              <a:rPr lang="en-CA" sz="1800" dirty="0" smtClean="0">
+                <a:solidFill>
+                  <a:srgbClr val="006666"/>
+                </a:solidFill>
+                <a:latin typeface="Sinkin Sans 300 Light" pitchFamily="50" charset="0"/>
+              </a:rPr>
+              <a:t>, </a:t>
+            </a:r>
+            <a:r>
+              <a:rPr lang="en-CA" sz="1800" dirty="0" err="1" smtClean="0">
+                <a:solidFill>
+                  <a:srgbClr val="006666"/>
+                </a:solidFill>
+                <a:latin typeface="Sinkin Sans 300 Light" pitchFamily="50" charset="0"/>
+              </a:rPr>
+              <a:t>Kruckenberg</a:t>
+            </a:r>
+            <a:r>
+              <a:rPr lang="en-CA" sz="1800" dirty="0" smtClean="0">
+                <a:solidFill>
+                  <a:srgbClr val="006666"/>
+                </a:solidFill>
+                <a:latin typeface="Sinkin Sans 300 Light" pitchFamily="50" charset="0"/>
+              </a:rPr>
+              <a:t> H, </a:t>
+            </a:r>
+            <a:r>
+              <a:rPr lang="en-CA" sz="1800" dirty="0" err="1" smtClean="0">
+                <a:solidFill>
+                  <a:srgbClr val="006666"/>
+                </a:solidFill>
+                <a:latin typeface="Sinkin Sans 300 Light" pitchFamily="50" charset="0"/>
+              </a:rPr>
+              <a:t>Glazov</a:t>
+            </a:r>
+            <a:r>
+              <a:rPr lang="en-CA" sz="1800" dirty="0" smtClean="0">
+                <a:solidFill>
+                  <a:srgbClr val="006666"/>
+                </a:solidFill>
+                <a:latin typeface="Sinkin Sans 300 Light" pitchFamily="50" charset="0"/>
+              </a:rPr>
+              <a:t> P, </a:t>
+            </a:r>
+            <a:r>
+              <a:rPr lang="en-CA" sz="1800" dirty="0" err="1" smtClean="0">
+                <a:solidFill>
+                  <a:srgbClr val="006666"/>
+                </a:solidFill>
+                <a:latin typeface="Sinkin Sans 300 Light" pitchFamily="50" charset="0"/>
+              </a:rPr>
+              <a:t>Weinzierl</a:t>
+            </a:r>
+            <a:r>
+              <a:rPr lang="en-CA" sz="1800" dirty="0" smtClean="0">
+                <a:solidFill>
+                  <a:srgbClr val="006666"/>
+                </a:solidFill>
+                <a:latin typeface="Sinkin Sans 300 Light" pitchFamily="50" charset="0"/>
+              </a:rPr>
+              <a:t> R, </a:t>
+            </a:r>
+            <a:r>
+              <a:rPr lang="en-CA" sz="1800" dirty="0" err="1" smtClean="0">
+                <a:solidFill>
+                  <a:srgbClr val="006666"/>
+                </a:solidFill>
+                <a:latin typeface="Sinkin Sans 300 Light" pitchFamily="50" charset="0"/>
+              </a:rPr>
+              <a:t>Nolet</a:t>
+            </a:r>
+            <a:r>
+              <a:rPr lang="en-CA" sz="1800" dirty="0" smtClean="0">
+                <a:solidFill>
+                  <a:srgbClr val="006666"/>
+                </a:solidFill>
+                <a:latin typeface="Sinkin Sans 300 Light" pitchFamily="50" charset="0"/>
+              </a:rPr>
+              <a:t> BA, </a:t>
+            </a:r>
+            <a:r>
+              <a:rPr lang="en-CA" sz="1800" dirty="0" err="1" smtClean="0">
+                <a:solidFill>
+                  <a:srgbClr val="006666"/>
+                </a:solidFill>
+                <a:latin typeface="Sinkin Sans 300 Light" pitchFamily="50" charset="0"/>
+              </a:rPr>
+              <a:t>Wikelski</a:t>
+            </a:r>
+            <a:r>
+              <a:rPr lang="en-CA" sz="1800" dirty="0" smtClean="0">
+                <a:solidFill>
+                  <a:srgbClr val="006666"/>
+                </a:solidFill>
+                <a:latin typeface="Sinkin Sans 300 Light" pitchFamily="50" charset="0"/>
+              </a:rPr>
+              <a:t> M (2016) Towards a new understanding of migration timing: slower spring than autumn migration in geese reflects different decision rules for stopover use and departure. </a:t>
+            </a:r>
+            <a:r>
+              <a:rPr lang="en-CA" sz="1800" dirty="0" err="1" smtClean="0">
+                <a:solidFill>
+                  <a:srgbClr val="006666"/>
+                </a:solidFill>
+                <a:latin typeface="Sinkin Sans 300 Light" pitchFamily="50" charset="0"/>
+              </a:rPr>
+              <a:t>Oikos</a:t>
+            </a:r>
+            <a:r>
+              <a:rPr lang="en-CA" sz="1800" dirty="0" smtClean="0">
+                <a:solidFill>
+                  <a:srgbClr val="006666"/>
+                </a:solidFill>
+                <a:latin typeface="Sinkin Sans 300 Light" pitchFamily="50" charset="0"/>
+              </a:rPr>
+              <a:t>. doi:10.1111/oik.03121</a:t>
+            </a:r>
+          </a:p>
+          <a:p>
+            <a:pPr>
+              <a:lnSpc>
+                <a:spcPct val="125000"/>
+              </a:lnSpc>
+            </a:pPr>
+            <a:r>
+              <a:rPr lang="en-CA" sz="1800" dirty="0" err="1" smtClean="0">
+                <a:solidFill>
+                  <a:srgbClr val="006666"/>
+                </a:solidFill>
+                <a:latin typeface="Sinkin Sans 300 Light" pitchFamily="50" charset="0"/>
+              </a:rPr>
+              <a:t>Kölzsch</a:t>
+            </a:r>
+            <a:r>
+              <a:rPr lang="en-CA" sz="1800" dirty="0" smtClean="0">
+                <a:solidFill>
+                  <a:srgbClr val="006666"/>
+                </a:solidFill>
+                <a:latin typeface="Sinkin Sans 300 Light" pitchFamily="50" charset="0"/>
+              </a:rPr>
+              <a:t> A, </a:t>
+            </a:r>
+            <a:r>
+              <a:rPr lang="en-CA" sz="1800" dirty="0" err="1" smtClean="0">
+                <a:solidFill>
+                  <a:srgbClr val="006666"/>
+                </a:solidFill>
+                <a:latin typeface="Sinkin Sans 300 Light" pitchFamily="50" charset="0"/>
+              </a:rPr>
+              <a:t>Kruckenberg</a:t>
+            </a:r>
+            <a:r>
+              <a:rPr lang="en-CA" sz="1800" dirty="0" smtClean="0">
+                <a:solidFill>
+                  <a:srgbClr val="006666"/>
+                </a:solidFill>
+                <a:latin typeface="Sinkin Sans 300 Light" pitchFamily="50" charset="0"/>
+              </a:rPr>
+              <a:t> H, </a:t>
+            </a:r>
+            <a:r>
+              <a:rPr lang="en-CA" sz="1800" dirty="0" err="1" smtClean="0">
+                <a:solidFill>
+                  <a:srgbClr val="006666"/>
+                </a:solidFill>
+                <a:latin typeface="Sinkin Sans 300 Light" pitchFamily="50" charset="0"/>
+              </a:rPr>
+              <a:t>Glazov</a:t>
+            </a:r>
+            <a:r>
+              <a:rPr lang="en-CA" sz="1800" dirty="0" smtClean="0">
+                <a:solidFill>
+                  <a:srgbClr val="006666"/>
+                </a:solidFill>
+                <a:latin typeface="Sinkin Sans 300 Light" pitchFamily="50" charset="0"/>
+              </a:rPr>
+              <a:t> P, </a:t>
+            </a:r>
+            <a:r>
+              <a:rPr lang="en-CA" sz="1800" dirty="0" err="1" smtClean="0">
+                <a:solidFill>
+                  <a:srgbClr val="006666"/>
+                </a:solidFill>
+                <a:latin typeface="Sinkin Sans 300 Light" pitchFamily="50" charset="0"/>
+              </a:rPr>
+              <a:t>Müskens</a:t>
+            </a:r>
+            <a:r>
+              <a:rPr lang="en-CA" sz="1800" dirty="0" smtClean="0">
+                <a:solidFill>
+                  <a:srgbClr val="006666"/>
+                </a:solidFill>
+                <a:latin typeface="Sinkin Sans 300 Light" pitchFamily="50" charset="0"/>
+              </a:rPr>
+              <a:t> </a:t>
+            </a:r>
+            <a:r>
+              <a:rPr lang="en-CA" sz="1800" dirty="0" err="1" smtClean="0">
+                <a:solidFill>
+                  <a:srgbClr val="006666"/>
+                </a:solidFill>
+                <a:latin typeface="Sinkin Sans 300 Light" pitchFamily="50" charset="0"/>
+              </a:rPr>
+              <a:t>GJDM</a:t>
+            </a:r>
+            <a:r>
+              <a:rPr lang="en-CA" sz="1800" dirty="0" smtClean="0">
+                <a:solidFill>
+                  <a:srgbClr val="006666"/>
+                </a:solidFill>
+                <a:latin typeface="Sinkin Sans 300 Light" pitchFamily="50" charset="0"/>
+              </a:rPr>
+              <a:t>, </a:t>
+            </a:r>
+            <a:r>
+              <a:rPr lang="en-CA" sz="1800" dirty="0" err="1" smtClean="0">
+                <a:solidFill>
+                  <a:srgbClr val="006666"/>
+                </a:solidFill>
+                <a:latin typeface="Sinkin Sans 300 Light" pitchFamily="50" charset="0"/>
+              </a:rPr>
+              <a:t>Wikelski</a:t>
+            </a:r>
+            <a:r>
+              <a:rPr lang="en-CA" sz="1800" dirty="0" smtClean="0">
+                <a:solidFill>
+                  <a:srgbClr val="006666"/>
+                </a:solidFill>
+                <a:latin typeface="Sinkin Sans 300 Light" pitchFamily="50" charset="0"/>
+              </a:rPr>
+              <a:t> M (2016) Data from: Towards a new understanding of migration timing: slower spring than autumn migration in geese reflects different decision rules for stopover use and departure. Movebank Data Repository. doi:10.5441/001/1.31c2v92f </a:t>
             </a:r>
           </a:p>
           <a:p>
